--- a/lectures/week4/lecture2/slides/week4_lecture2.pptx
+++ b/lectures/week4/lecture2/slides/week4_lecture2.pptx
@@ -23,8 +23,8 @@
     <p:sldId id="340" r:id="rId17"/>
     <p:sldId id="338" r:id="rId18"/>
     <p:sldId id="334" r:id="rId19"/>
-    <p:sldId id="324" r:id="rId20"/>
-    <p:sldId id="329" r:id="rId21"/>
+    <p:sldId id="386" r:id="rId20"/>
+    <p:sldId id="385" r:id="rId21"/>
   </p:sldIdLst>
   <p:sldSz cx="12192000" cy="6858000"/>
   <p:notesSz cx="6858000" cy="9144000"/>
@@ -2067,7 +2067,7 @@
         <p:spPr>
           <a:xfrm>
             <a:off x="335947" y="5102715"/>
-            <a:ext cx="6619392" cy="1569660"/>
+            <a:ext cx="6619392" cy="1323439"/>
           </a:xfrm>
           <a:prstGeom prst="rect">
             <a:avLst/>
@@ -2133,7 +2133,7 @@
                   <a:srgbClr val="66FF99"/>
                 </a:solidFill>
               </a:rPr>
-              <a:t>No new lab released this Thursday</a:t>
+              <a:t>Lab 3 is released this Thursday 6:00 pm</a:t>
             </a:r>
             <a:r>
               <a:rPr lang="en-US" sz="1600" dirty="0">
@@ -2193,40 +2193,7 @@
                   <a:srgbClr val="66FF99"/>
                 </a:solidFill>
               </a:rPr>
-              <a:t>Midterm Review (Online) tonight 6 – 7 pm</a:t>
-            </a:r>
-            <a:r>
-              <a:rPr lang="en-US" sz="1600" dirty="0">
-                <a:solidFill>
-                  <a:srgbClr val="CC99FF"/>
-                </a:solidFill>
-              </a:rPr>
-              <a:t>.</a:t>
-            </a:r>
-          </a:p>
-          <a:p>
-            <a:pPr marL="285750" indent="-285750">
-              <a:buClr>
-                <a:srgbClr val="CC99FF"/>
-              </a:buClr>
-              <a:buFont typeface="Wingdings" panose="05000000000000000000" pitchFamily="2" charset="2"/>
-              <a:buChar char="§"/>
-            </a:pPr>
-            <a:r>
-              <a:rPr lang="en-US" sz="1600" b="1" dirty="0">
-                <a:solidFill>
-                  <a:srgbClr val="CC99FF"/>
-                </a:solidFill>
-              </a:rPr>
-              <a:t>Term Test 1 </a:t>
-            </a:r>
-            <a:r>
-              <a:rPr lang="en-US" sz="1600" dirty="0">
-                <a:solidFill>
-                  <a:srgbClr val="66FF99"/>
-                </a:solidFill>
-              </a:rPr>
-              <a:t>next week</a:t>
+              <a:t>Tutorial (Online), Practical, Office Hour sessions running all week</a:t>
             </a:r>
             <a:r>
               <a:rPr lang="en-US" sz="1600" dirty="0">
@@ -5493,169 +5460,30 @@
             <p:ph type="title"/>
           </p:nvPr>
         </p:nvSpPr>
-        <p:spPr/>
+        <p:spPr>
+          <a:xfrm>
+            <a:off x="2079869" y="2586087"/>
+            <a:ext cx="8032262" cy="1685825"/>
+          </a:xfrm>
+        </p:spPr>
         <p:txBody>
           <a:bodyPr>
-            <a:normAutofit fontScale="90000"/>
+            <a:noAutofit/>
           </a:bodyPr>
           <a:lstStyle/>
           <a:p>
-            <a:r>
-              <a:rPr lang="en-US" b="1" dirty="0"/>
-              <a:t>Lecture Recap</a:t>
-            </a:r>
-          </a:p>
-        </p:txBody>
-      </p:sp>
-      <p:sp>
-        <p:nvSpPr>
-          <p:cNvPr id="5" name="Content Placeholder 4">
-            <a:extLst>
-              <a:ext uri="{FF2B5EF4-FFF2-40B4-BE49-F238E27FC236}">
-                <a16:creationId xmlns:a16="http://schemas.microsoft.com/office/drawing/2014/main" id="{85F37492-86E3-47CA-8641-D7457D28B946}"/>
-              </a:ext>
-            </a:extLst>
-          </p:cNvPr>
-          <p:cNvSpPr>
-            <a:spLocks noGrp="1"/>
-          </p:cNvSpPr>
-          <p:nvPr>
-            <p:ph idx="1"/>
-          </p:nvPr>
-        </p:nvSpPr>
-        <p:spPr>
-          <a:xfrm>
-            <a:off x="838199" y="1825624"/>
-            <a:ext cx="11073063" cy="4835479"/>
-          </a:xfrm>
-        </p:spPr>
-        <p:txBody>
-          <a:bodyPr>
-            <a:normAutofit/>
-          </a:bodyPr>
-          <a:lstStyle/>
-          <a:p>
-            <a:r>
-              <a:rPr lang="en-US" sz="3600" dirty="0"/>
-              <a:t>Looping </a:t>
-            </a:r>
-            <a:r>
-              <a:rPr lang="en-US" sz="3600" dirty="0">
-                <a:solidFill>
-                  <a:schemeClr val="accent6"/>
-                </a:solidFill>
-              </a:rPr>
-              <a:t>(</a:t>
-            </a:r>
-            <a:r>
-              <a:rPr lang="en-US" sz="3600" dirty="0"/>
-              <a:t>aka iteration</a:t>
-            </a:r>
-            <a:r>
-              <a:rPr lang="en-US" sz="3600" dirty="0">
-                <a:solidFill>
-                  <a:schemeClr val="accent6"/>
-                </a:solidFill>
-              </a:rPr>
-              <a:t>)</a:t>
-            </a:r>
-            <a:r>
-              <a:rPr lang="en-US" sz="3600" dirty="0"/>
-              <a:t> is the second key control structure in programming </a:t>
-            </a:r>
-            <a:r>
-              <a:rPr lang="en-US" sz="3600" dirty="0">
-                <a:solidFill>
-                  <a:schemeClr val="accent6"/>
-                </a:solidFill>
-              </a:rPr>
-              <a:t>(</a:t>
-            </a:r>
-            <a:r>
-              <a:rPr lang="en-US" sz="3600" dirty="0"/>
-              <a:t>if</a:t>
-            </a:r>
-            <a:r>
-              <a:rPr lang="en-US" sz="3600" dirty="0">
-                <a:solidFill>
-                  <a:schemeClr val="accent2"/>
-                </a:solidFill>
-              </a:rPr>
-              <a:t>-</a:t>
-            </a:r>
-            <a:r>
-              <a:rPr lang="en-US" sz="3600" dirty="0"/>
-              <a:t>statements</a:t>
-            </a:r>
-            <a:r>
-              <a:rPr lang="en-US" sz="3600" dirty="0">
-                <a:solidFill>
-                  <a:schemeClr val="accent2"/>
-                </a:solidFill>
-              </a:rPr>
-              <a:t>/</a:t>
-            </a:r>
-            <a:r>
-              <a:rPr lang="en-US" sz="3600" dirty="0"/>
-              <a:t>branching was the first</a:t>
-            </a:r>
-            <a:r>
-              <a:rPr lang="en-US" sz="3600" dirty="0">
-                <a:solidFill>
-                  <a:schemeClr val="accent6"/>
-                </a:solidFill>
-              </a:rPr>
-              <a:t>)</a:t>
-            </a:r>
-            <a:r>
-              <a:rPr lang="en-US" sz="3600" dirty="0">
-                <a:solidFill>
-                  <a:schemeClr val="accent2"/>
-                </a:solidFill>
-              </a:rPr>
-              <a:t>.</a:t>
-            </a:r>
-          </a:p>
-          <a:p>
-            <a:r>
-              <a:rPr lang="en-US" sz="3600" dirty="0"/>
-              <a:t>The basic idea of loops is to repeated execute the same block code</a:t>
-            </a:r>
-            <a:r>
-              <a:rPr lang="en-US" sz="3600" dirty="0">
-                <a:solidFill>
-                  <a:schemeClr val="accent2"/>
-                </a:solidFill>
-              </a:rPr>
-              <a:t>.</a:t>
-            </a:r>
-          </a:p>
-          <a:p>
-            <a:r>
-              <a:rPr lang="en-US" sz="3600" dirty="0"/>
-              <a:t>Looping is very powerful idea</a:t>
-            </a:r>
-            <a:r>
-              <a:rPr lang="en-US" sz="3600" dirty="0">
-                <a:solidFill>
-                  <a:schemeClr val="accent2"/>
-                </a:solidFill>
-              </a:rPr>
-              <a:t>.</a:t>
-            </a:r>
-          </a:p>
-          <a:p>
-            <a:r>
-              <a:rPr lang="en-US" sz="3600" dirty="0"/>
-              <a:t>While loops</a:t>
-            </a:r>
-            <a:r>
-              <a:rPr lang="en-US" sz="3600" dirty="0">
-                <a:solidFill>
-                  <a:schemeClr val="accent2"/>
-                </a:solidFill>
-              </a:rPr>
-              <a:t>.</a:t>
+            <a:pPr algn="ctr"/>
+            <a:r>
+              <a:rPr lang="en-US" sz="12000" b="1" dirty="0"/>
+              <a:t>PRACTICE</a:t>
+            </a:r>
+            <a:r>
+              <a:rPr lang="en-US" sz="12000" b="1" dirty="0">
+                <a:solidFill>
+                  <a:srgbClr val="CC99FF"/>
+                </a:solidFill>
+              </a:rPr>
+              <a:t>!</a:t>
             </a:r>
           </a:p>
         </p:txBody>
@@ -5663,7 +5491,7 @@
     </p:spTree>
     <p:extLst>
       <p:ext uri="{BB962C8B-B14F-4D97-AF65-F5344CB8AC3E}">
-        <p14:creationId xmlns:p14="http://schemas.microsoft.com/office/powerpoint/2010/main" val="577522275"/>
+        <p14:creationId xmlns:p14="http://schemas.microsoft.com/office/powerpoint/2010/main" val="2319937508"/>
       </p:ext>
     </p:extLst>
   </p:cSld>
@@ -5847,7 +5675,13 @@
   <p:cSld>
     <p:spTree>
       <p:nvGrpSpPr>
-        <p:cNvPr id="1" name=""/>
+        <p:cNvPr id="1" name="">
+          <a:extLst>
+            <a:ext uri="{FF2B5EF4-FFF2-40B4-BE49-F238E27FC236}">
+              <a16:creationId xmlns:a16="http://schemas.microsoft.com/office/drawing/2014/main" id="{FD02E2E2-EB7E-9AEE-19B6-817D95E15D0E}"/>
+            </a:ext>
+          </a:extLst>
+        </p:cNvPr>
         <p:cNvGrpSpPr/>
         <p:nvPr/>
       </p:nvGrpSpPr>
@@ -5864,7 +5698,7 @@
           <p:cNvPr id="2" name="Title 1">
             <a:extLst>
               <a:ext uri="{FF2B5EF4-FFF2-40B4-BE49-F238E27FC236}">
-                <a16:creationId xmlns:a16="http://schemas.microsoft.com/office/drawing/2014/main" id="{057F06F2-AC3E-484E-9926-59D4F59092CE}"/>
+                <a16:creationId xmlns:a16="http://schemas.microsoft.com/office/drawing/2014/main" id="{AC44848B-C4F5-AD16-636E-CACA52137C00}"/>
               </a:ext>
             </a:extLst>
           </p:cNvPr>
@@ -5902,7 +5736,7 @@
           <p:cNvPr id="3" name="Subtitle 2">
             <a:extLst>
               <a:ext uri="{FF2B5EF4-FFF2-40B4-BE49-F238E27FC236}">
-                <a16:creationId xmlns:a16="http://schemas.microsoft.com/office/drawing/2014/main" id="{99B07687-F068-40FC-84A1-E7860490CACD}"/>
+                <a16:creationId xmlns:a16="http://schemas.microsoft.com/office/drawing/2014/main" id="{42F883DC-7C99-BF10-34DD-21A479AADC4E}"/>
               </a:ext>
             </a:extLst>
           </p:cNvPr>
@@ -5993,10 +5827,164 @@
           </a:p>
         </p:txBody>
       </p:sp>
+      <p:sp>
+        <p:nvSpPr>
+          <p:cNvPr id="4" name="TextBox 3">
+            <a:extLst>
+              <a:ext uri="{FF2B5EF4-FFF2-40B4-BE49-F238E27FC236}">
+                <a16:creationId xmlns:a16="http://schemas.microsoft.com/office/drawing/2014/main" id="{813918E2-0429-4CD5-E252-11EE280607BF}"/>
+              </a:ext>
+            </a:extLst>
+          </p:cNvPr>
+          <p:cNvSpPr txBox="1"/>
+          <p:nvPr/>
+        </p:nvSpPr>
+        <p:spPr>
+          <a:xfrm>
+            <a:off x="335947" y="5102715"/>
+            <a:ext cx="6619392" cy="1323439"/>
+          </a:xfrm>
+          <a:prstGeom prst="rect">
+            <a:avLst/>
+          </a:prstGeom>
+          <a:noFill/>
+        </p:spPr>
+        <p:txBody>
+          <a:bodyPr wrap="square" rtlCol="0">
+            <a:spAutoFit/>
+          </a:bodyPr>
+          <a:lstStyle/>
+          <a:p>
+            <a:r>
+              <a:rPr lang="en-US" sz="1600" b="1" dirty="0">
+                <a:solidFill>
+                  <a:srgbClr val="CC99FF"/>
+                </a:solidFill>
+              </a:rPr>
+              <a:t>Upcoming</a:t>
+            </a:r>
+          </a:p>
+          <a:p>
+            <a:pPr marL="285750" indent="-285750">
+              <a:buClr>
+                <a:srgbClr val="CC99FF"/>
+              </a:buClr>
+              <a:buFont typeface="Wingdings" panose="05000000000000000000" pitchFamily="2" charset="2"/>
+              <a:buChar char="§"/>
+            </a:pPr>
+            <a:r>
+              <a:rPr lang="en-US" sz="1600" dirty="0">
+                <a:solidFill>
+                  <a:srgbClr val="66FF99"/>
+                </a:solidFill>
+              </a:rPr>
+              <a:t>Lab 2 Due 11:59 pm Friday</a:t>
+            </a:r>
+            <a:r>
+              <a:rPr lang="en-US" sz="1600" dirty="0">
+                <a:solidFill>
+                  <a:srgbClr val="CC99FF"/>
+                </a:solidFill>
+              </a:rPr>
+              <a:t>.</a:t>
+            </a:r>
+            <a:endParaRPr lang="en-US" sz="1600" dirty="0">
+              <a:solidFill>
+                <a:srgbClr val="66FF99"/>
+              </a:solidFill>
+            </a:endParaRPr>
+          </a:p>
+          <a:p>
+            <a:pPr marL="285750" indent="-285750">
+              <a:buClr>
+                <a:srgbClr val="CC99FF"/>
+              </a:buClr>
+              <a:buFont typeface="Wingdings" panose="05000000000000000000" pitchFamily="2" charset="2"/>
+              <a:buChar char="§"/>
+            </a:pPr>
+            <a:r>
+              <a:rPr lang="en-US" sz="1600" dirty="0">
+                <a:solidFill>
+                  <a:srgbClr val="66FF99"/>
+                </a:solidFill>
+              </a:rPr>
+              <a:t>Lab 3 is released this Thursday 6:00 pm</a:t>
+            </a:r>
+            <a:r>
+              <a:rPr lang="en-US" sz="1600" dirty="0">
+                <a:solidFill>
+                  <a:srgbClr val="CC99FF"/>
+                </a:solidFill>
+              </a:rPr>
+              <a:t>.</a:t>
+            </a:r>
+            <a:endParaRPr lang="en-US" sz="1600" dirty="0">
+              <a:solidFill>
+                <a:srgbClr val="66FF99"/>
+              </a:solidFill>
+            </a:endParaRPr>
+          </a:p>
+          <a:p>
+            <a:pPr marL="285750" indent="-285750">
+              <a:buClr>
+                <a:srgbClr val="CC99FF"/>
+              </a:buClr>
+              <a:buFont typeface="Wingdings" panose="05000000000000000000" pitchFamily="2" charset="2"/>
+              <a:buChar char="§"/>
+            </a:pPr>
+            <a:r>
+              <a:rPr lang="en-US" sz="1600" dirty="0">
+                <a:solidFill>
+                  <a:srgbClr val="66FF99"/>
+                </a:solidFill>
+              </a:rPr>
+              <a:t>Reflection 4 Released Friday 6:00 pm</a:t>
+            </a:r>
+            <a:r>
+              <a:rPr lang="en-US" sz="1600" dirty="0">
+                <a:solidFill>
+                  <a:srgbClr val="CC99FF"/>
+                </a:solidFill>
+              </a:rPr>
+              <a:t>.</a:t>
+            </a:r>
+            <a:endParaRPr lang="en-US" sz="1600" dirty="0">
+              <a:solidFill>
+                <a:srgbClr val="66FF99"/>
+              </a:solidFill>
+            </a:endParaRPr>
+          </a:p>
+          <a:p>
+            <a:pPr marL="285750" indent="-285750">
+              <a:buClr>
+                <a:srgbClr val="CC99FF"/>
+              </a:buClr>
+              <a:buFont typeface="Wingdings" panose="05000000000000000000" pitchFamily="2" charset="2"/>
+              <a:buChar char="§"/>
+            </a:pPr>
+            <a:r>
+              <a:rPr lang="en-US" sz="1600" dirty="0">
+                <a:solidFill>
+                  <a:srgbClr val="66FF99"/>
+                </a:solidFill>
+              </a:rPr>
+              <a:t>Tutorial (Online), Practical, Office Hour sessions running all week</a:t>
+            </a:r>
+            <a:r>
+              <a:rPr lang="en-US" sz="1600" dirty="0">
+                <a:solidFill>
+                  <a:srgbClr val="CC99FF"/>
+                </a:solidFill>
+              </a:rPr>
+              <a:t>.</a:t>
+            </a:r>
+          </a:p>
+        </p:txBody>
+      </p:sp>
     </p:spTree>
     <p:extLst>
       <p:ext uri="{BB962C8B-B14F-4D97-AF65-F5344CB8AC3E}">
-        <p14:creationId xmlns:p14="http://schemas.microsoft.com/office/powerpoint/2010/main" val="3381914804"/>
+        <p14:creationId xmlns:p14="http://schemas.microsoft.com/office/powerpoint/2010/main" val="2425583567"/>
       </p:ext>
     </p:extLst>
   </p:cSld>

--- a/lectures/week4/lecture2/slides/week4_lecture2.pptx
+++ b/lectures/week4/lecture2/slides/week4_lecture2.pptx
@@ -12,9 +12,9 @@
     <p:sldId id="384" r:id="rId6"/>
     <p:sldId id="325" r:id="rId7"/>
     <p:sldId id="328" r:id="rId8"/>
-    <p:sldId id="333" r:id="rId9"/>
-    <p:sldId id="266" r:id="rId10"/>
-    <p:sldId id="341" r:id="rId11"/>
+    <p:sldId id="341" r:id="rId9"/>
+    <p:sldId id="408" r:id="rId10"/>
+    <p:sldId id="266" r:id="rId11"/>
     <p:sldId id="267" r:id="rId12"/>
     <p:sldId id="335" r:id="rId13"/>
     <p:sldId id="336" r:id="rId14"/>
@@ -24,7 +24,7 @@
     <p:sldId id="338" r:id="rId18"/>
     <p:sldId id="334" r:id="rId19"/>
     <p:sldId id="386" r:id="rId20"/>
-    <p:sldId id="385" r:id="rId21"/>
+    <p:sldId id="409" r:id="rId21"/>
   </p:sldIdLst>
   <p:sldSz cx="12192000" cy="6858000"/>
   <p:notesSz cx="6858000" cy="9144000"/>
@@ -2067,7 +2067,7 @@
         <p:spPr>
           <a:xfrm>
             <a:off x="335947" y="5102715"/>
-            <a:ext cx="6619392" cy="1323439"/>
+            <a:ext cx="6619392" cy="1569660"/>
           </a:xfrm>
           <a:prstGeom prst="rect">
             <a:avLst/>
@@ -2194,6 +2194,47 @@
                 </a:solidFill>
               </a:rPr>
               <a:t>Tutorial (Online), Practical, Office Hour sessions running all week</a:t>
+            </a:r>
+            <a:r>
+              <a:rPr lang="en-US" sz="1600" dirty="0">
+                <a:solidFill>
+                  <a:srgbClr val="CC99FF"/>
+                </a:solidFill>
+              </a:rPr>
+              <a:t>.</a:t>
+            </a:r>
+          </a:p>
+          <a:p>
+            <a:pPr marL="285750" indent="-285750">
+              <a:buClr>
+                <a:srgbClr val="CC99FF"/>
+              </a:buClr>
+              <a:buFont typeface="Wingdings" panose="05000000000000000000" pitchFamily="2" charset="2"/>
+              <a:buChar char="§"/>
+            </a:pPr>
+            <a:r>
+              <a:rPr lang="en-US" sz="1600" dirty="0">
+                <a:solidFill>
+                  <a:srgbClr val="66FF99"/>
+                </a:solidFill>
+              </a:rPr>
+              <a:t>Looking for more practice</a:t>
+            </a:r>
+            <a:r>
+              <a:rPr lang="en-US" sz="1600" dirty="0">
+                <a:solidFill>
+                  <a:srgbClr val="CC99FF"/>
+                </a:solidFill>
+              </a:rPr>
+              <a:t>?</a:t>
+            </a:r>
+            <a:r>
+              <a:rPr lang="en-US" sz="1600" dirty="0">
+                <a:solidFill>
+                  <a:srgbClr val="66FF99"/>
+                </a:solidFill>
+              </a:rPr>
+              <a:t> Check out the textbook</a:t>
             </a:r>
             <a:r>
               <a:rPr lang="en-US" sz="1600" dirty="0">
@@ -2260,8 +2301,16 @@
           <a:lstStyle/>
           <a:p>
             <a:r>
+              <a:rPr lang="en-US" b="1" dirty="0">
+                <a:solidFill>
+                  <a:schemeClr val="accent6"/>
+                </a:solidFill>
+              </a:rPr>
+              <a:t>Breakout Session </a:t>
+            </a:r>
+            <a:r>
               <a:rPr lang="en-US" b="1" dirty="0"/>
-              <a:t>Random Module</a:t>
+              <a:t>2</a:t>
             </a:r>
           </a:p>
         </p:txBody>
@@ -2284,8 +2333,8 @@
         </p:nvSpPr>
         <p:spPr>
           <a:xfrm>
-            <a:off x="838200" y="1825624"/>
-            <a:ext cx="6862011" cy="4900029"/>
+            <a:off x="838201" y="1825624"/>
+            <a:ext cx="6657474" cy="4900029"/>
           </a:xfrm>
         </p:spPr>
         <p:txBody>
@@ -2296,35 +2345,88 @@
           <a:p>
             <a:r>
               <a:rPr lang="en-US" sz="3200" dirty="0"/>
-              <a:t>This module implements pseudo</a:t>
+              <a:t>Write some code to allow someone to play Rock</a:t>
             </a:r>
             <a:r>
               <a:rPr lang="en-US" sz="3200" dirty="0">
                 <a:solidFill>
-                  <a:schemeClr val="accent3"/>
-                </a:solidFill>
-              </a:rPr>
-              <a:t>-</a:t>
+                  <a:schemeClr val="accent2"/>
+                </a:solidFill>
+              </a:rPr>
+              <a:t>,</a:t>
             </a:r>
             <a:r>
               <a:rPr lang="en-US" sz="3200" dirty="0"/>
-              <a:t>random number generators for various distributions</a:t>
+              <a:t> Paper</a:t>
             </a:r>
             <a:r>
               <a:rPr lang="en-US" sz="3200" dirty="0">
                 <a:solidFill>
-                  <a:schemeClr val="accent6"/>
+                  <a:schemeClr val="accent2"/>
+                </a:solidFill>
+              </a:rPr>
+              <a:t>,</a:t>
+            </a:r>
+            <a:r>
+              <a:rPr lang="en-US" sz="3200" dirty="0"/>
+              <a:t> Scissors</a:t>
+            </a:r>
+            <a:r>
+              <a:rPr lang="en-US" sz="3200" dirty="0">
+                <a:solidFill>
+                  <a:schemeClr val="accent2"/>
+                </a:solidFill>
+              </a:rPr>
+              <a:t>,</a:t>
+            </a:r>
+            <a:r>
+              <a:rPr lang="en-US" sz="3200" dirty="0"/>
+              <a:t> Lizard</a:t>
+            </a:r>
+            <a:r>
+              <a:rPr lang="en-US" sz="3200" dirty="0">
+                <a:solidFill>
+                  <a:schemeClr val="accent2"/>
+                </a:solidFill>
+              </a:rPr>
+              <a:t>,</a:t>
+            </a:r>
+            <a:r>
+              <a:rPr lang="en-US" sz="3200" dirty="0"/>
+              <a:t> Spock repeatedly until they beat the computer </a:t>
+            </a:r>
+            <a:r>
+              <a:rPr lang="en-US" sz="3200" dirty="0">
+                <a:solidFill>
+                  <a:schemeClr val="accent2"/>
+                </a:solidFill>
+              </a:rPr>
+              <a:t>`</a:t>
+            </a:r>
+            <a:r>
+              <a:rPr lang="en-US" sz="3200" dirty="0"/>
+              <a:t>3</a:t>
+            </a:r>
+            <a:r>
+              <a:rPr lang="en-US" sz="3200" dirty="0">
+                <a:solidFill>
+                  <a:schemeClr val="accent2"/>
+                </a:solidFill>
+              </a:rPr>
+              <a:t>`</a:t>
+            </a:r>
+            <a:r>
+              <a:rPr lang="en-US" sz="3200" dirty="0"/>
+              <a:t> times</a:t>
+            </a:r>
+            <a:r>
+              <a:rPr lang="en-US" sz="3200" dirty="0">
+                <a:solidFill>
+                  <a:schemeClr val="accent2"/>
                 </a:solidFill>
               </a:rPr>
               <a:t>.</a:t>
             </a:r>
-          </a:p>
-          <a:p>
-            <a:endParaRPr lang="en-US" sz="2800" dirty="0">
-              <a:solidFill>
-                <a:schemeClr val="accent1"/>
-              </a:solidFill>
-            </a:endParaRPr>
           </a:p>
         </p:txBody>
       </p:sp>
@@ -2424,123 +2526,153 @@
                   <a:schemeClr val="accent6"/>
                 </a:solidFill>
               </a:rPr>
-              <a:t>Random Module</a:t>
-            </a:r>
-          </a:p>
-        </p:txBody>
-      </p:sp>
-      <p:sp>
-        <p:nvSpPr>
-          <p:cNvPr id="5" name="TextBox 4">
-            <a:extLst>
-              <a:ext uri="{FF2B5EF4-FFF2-40B4-BE49-F238E27FC236}">
-                <a16:creationId xmlns:a16="http://schemas.microsoft.com/office/drawing/2014/main" id="{34F983D5-35D0-4FA4-A078-52AE59EA8EE6}"/>
-              </a:ext>
-            </a:extLst>
-          </p:cNvPr>
-          <p:cNvSpPr txBox="1"/>
+              <a:t>Breakout Session 1</a:t>
+            </a:r>
+          </a:p>
+        </p:txBody>
+      </p:sp>
+      <p:pic>
+        <p:nvPicPr>
+          <p:cNvPr id="1026" name="Picture 2" descr="Spock (Character) - Comic Vine">
+            <a:extLst>
+              <a:ext uri="{FF2B5EF4-FFF2-40B4-BE49-F238E27FC236}">
+                <a16:creationId xmlns:a16="http://schemas.microsoft.com/office/drawing/2014/main" id="{906D33B3-7CFB-2914-A234-0F3FDAC17A45}"/>
+              </a:ext>
+            </a:extLst>
+          </p:cNvPr>
+          <p:cNvPicPr>
+            <a:picLocks noChangeAspect="1" noChangeArrowheads="1"/>
+          </p:cNvPicPr>
           <p:nvPr/>
-        </p:nvSpPr>
-        <p:spPr>
+        </p:nvPicPr>
+        <p:blipFill>
+          <a:blip r:embed="rId2">
+            <a:extLst>
+              <a:ext uri="{28A0092B-C50C-407E-A947-70E740481C1C}">
+                <a14:useLocalDpi xmlns:a14="http://schemas.microsoft.com/office/drawing/2010/main" val="0"/>
+              </a:ext>
+            </a:extLst>
+          </a:blip>
+          <a:srcRect/>
+          <a:stretch>
+            <a:fillRect/>
+          </a:stretch>
+        </p:blipFill>
+        <p:spPr bwMode="auto">
+          <a:xfrm flipH="1">
+            <a:off x="1181191" y="4317165"/>
+            <a:ext cx="1757501" cy="2222926"/>
+          </a:xfrm>
+          <a:prstGeom prst="roundRect">
+            <a:avLst>
+              <a:gd name="adj" fmla="val 16667"/>
+            </a:avLst>
+          </a:prstGeom>
+          <a:ln>
+            <a:noFill/>
+          </a:ln>
+          <a:effectLst>
+            <a:outerShdw blurRad="76200" dist="38100" dir="7800000" algn="tl" rotWithShape="0">
+              <a:srgbClr val="000000">
+                <a:alpha val="40000"/>
+              </a:srgbClr>
+            </a:outerShdw>
+          </a:effectLst>
+          <a:scene3d>
+            <a:camera prst="orthographicFront"/>
+            <a:lightRig rig="contrasting" dir="t">
+              <a:rot lat="0" lon="0" rev="4200000"/>
+            </a:lightRig>
+          </a:scene3d>
+          <a:sp3d prstMaterial="plastic">
+            <a:bevelT w="381000" h="114300" prst="relaxedInset"/>
+            <a:contourClr>
+              <a:srgbClr val="969696"/>
+            </a:contourClr>
+          </a:sp3d>
+          <a:extLst>
+            <a:ext uri="{909E8E84-426E-40DD-AFC4-6F175D3DCCD1}">
+              <a14:hiddenFill xmlns:a14="http://schemas.microsoft.com/office/drawing/2010/main">
+                <a:solidFill>
+                  <a:srgbClr val="FFFFFF"/>
+                </a:solidFill>
+              </a14:hiddenFill>
+            </a:ext>
+          </a:extLst>
+        </p:spPr>
+      </p:pic>
+      <p:pic>
+        <p:nvPicPr>
+          <p:cNvPr id="1028" name="Picture 4" descr="Komodo dragons">
+            <a:extLst>
+              <a:ext uri="{FF2B5EF4-FFF2-40B4-BE49-F238E27FC236}">
+                <a16:creationId xmlns:a16="http://schemas.microsoft.com/office/drawing/2014/main" id="{833F8489-F331-406C-3953-9BC6B9723BCB}"/>
+              </a:ext>
+            </a:extLst>
+          </p:cNvPr>
+          <p:cNvPicPr>
+            <a:picLocks noChangeAspect="1" noChangeArrowheads="1"/>
+          </p:cNvPicPr>
+          <p:nvPr/>
+        </p:nvPicPr>
+        <p:blipFill rotWithShape="1">
+          <a:blip r:embed="rId3">
+            <a:extLst>
+              <a:ext uri="{28A0092B-C50C-407E-A947-70E740481C1C}">
+                <a14:useLocalDpi xmlns:a14="http://schemas.microsoft.com/office/drawing/2010/main" val="0"/>
+              </a:ext>
+            </a:extLst>
+          </a:blip>
+          <a:srcRect l="16019" r="25321"/>
+          <a:stretch/>
+        </p:blipFill>
+        <p:spPr bwMode="auto">
           <a:xfrm>
-            <a:off x="987055" y="3429000"/>
-            <a:ext cx="5154173" cy="3046988"/>
-          </a:xfrm>
-          <a:prstGeom prst="rect">
-            <a:avLst/>
+            <a:off x="3335982" y="4317165"/>
+            <a:ext cx="2175641" cy="2225312"/>
+          </a:xfrm>
+          <a:prstGeom prst="roundRect">
+            <a:avLst>
+              <a:gd name="adj" fmla="val 16667"/>
+            </a:avLst>
           </a:prstGeom>
-          <a:noFill/>
-        </p:spPr>
-        <p:txBody>
-          <a:bodyPr wrap="square" rtlCol="0">
-            <a:spAutoFit/>
-          </a:bodyPr>
-          <a:lstStyle/>
-          <a:p>
-            <a:r>
-              <a:rPr lang="en-US" sz="3200" b="1" dirty="0">
-                <a:solidFill>
-                  <a:srgbClr val="00FF00"/>
-                </a:solidFill>
-                <a:latin typeface="Courier New" panose="02070309020205020404" pitchFamily="49" charset="0"/>
-                <a:cs typeface="Courier New" panose="02070309020205020404" pitchFamily="49" charset="0"/>
-              </a:rPr>
-              <a:t>import random</a:t>
-            </a:r>
-          </a:p>
-          <a:p>
-            <a:endParaRPr lang="en-US" sz="3200" b="1" dirty="0">
-              <a:solidFill>
-                <a:srgbClr val="00FF00"/>
-              </a:solidFill>
-              <a:latin typeface="Courier New" panose="02070309020205020404" pitchFamily="49" charset="0"/>
-              <a:cs typeface="Courier New" panose="02070309020205020404" pitchFamily="49" charset="0"/>
-            </a:endParaRPr>
-          </a:p>
-          <a:p>
-            <a:r>
-              <a:rPr lang="en-US" sz="3200" b="1" dirty="0">
-                <a:solidFill>
-                  <a:srgbClr val="00FF00"/>
-                </a:solidFill>
-                <a:latin typeface="Courier New" panose="02070309020205020404" pitchFamily="49" charset="0"/>
-                <a:cs typeface="Courier New" panose="02070309020205020404" pitchFamily="49" charset="0"/>
-              </a:rPr>
-              <a:t>random.uniform()</a:t>
-            </a:r>
-          </a:p>
-          <a:p>
-            <a:r>
-              <a:rPr lang="en-US" sz="3200" b="1" dirty="0">
-                <a:solidFill>
-                  <a:srgbClr val="00FF00"/>
-                </a:solidFill>
-                <a:latin typeface="Courier New" panose="02070309020205020404" pitchFamily="49" charset="0"/>
-                <a:cs typeface="Courier New" panose="02070309020205020404" pitchFamily="49" charset="0"/>
-              </a:rPr>
-              <a:t>random.random()</a:t>
-            </a:r>
-          </a:p>
-          <a:p>
-            <a:r>
-              <a:rPr lang="en-US" sz="3200" b="1" dirty="0">
-                <a:solidFill>
-                  <a:srgbClr val="00FF00"/>
-                </a:solidFill>
-                <a:latin typeface="Courier New" panose="02070309020205020404" pitchFamily="49" charset="0"/>
-                <a:cs typeface="Courier New" panose="02070309020205020404" pitchFamily="49" charset="0"/>
-              </a:rPr>
-              <a:t>random.randint()</a:t>
-            </a:r>
-          </a:p>
-          <a:p>
-            <a:r>
-              <a:rPr lang="en-US" sz="3200" b="1" dirty="0">
-                <a:solidFill>
-                  <a:srgbClr val="00FF00"/>
-                </a:solidFill>
-                <a:latin typeface="Courier New" panose="02070309020205020404" pitchFamily="49" charset="0"/>
-                <a:cs typeface="Courier New" panose="02070309020205020404" pitchFamily="49" charset="0"/>
-              </a:rPr>
-              <a:t>…</a:t>
-            </a:r>
-            <a:endParaRPr lang="en-US" sz="3200" b="1" dirty="0">
-              <a:solidFill>
-                <a:schemeClr val="accent6">
-                  <a:lumMod val="40000"/>
-                  <a:lumOff val="60000"/>
-                </a:schemeClr>
-              </a:solidFill>
-              <a:latin typeface="Courier New" panose="02070309020205020404" pitchFamily="49" charset="0"/>
-              <a:cs typeface="Courier New" panose="02070309020205020404" pitchFamily="49" charset="0"/>
-            </a:endParaRPr>
-          </a:p>
-        </p:txBody>
-      </p:sp>
+          <a:ln>
+            <a:noFill/>
+          </a:ln>
+          <a:effectLst>
+            <a:outerShdw blurRad="76200" dist="38100" dir="7800000" algn="tl" rotWithShape="0">
+              <a:srgbClr val="000000">
+                <a:alpha val="40000"/>
+              </a:srgbClr>
+            </a:outerShdw>
+          </a:effectLst>
+          <a:scene3d>
+            <a:camera prst="orthographicFront"/>
+            <a:lightRig rig="contrasting" dir="t">
+              <a:rot lat="0" lon="0" rev="4200000"/>
+            </a:lightRig>
+          </a:scene3d>
+          <a:sp3d prstMaterial="plastic">
+            <a:bevelT w="381000" h="114300" prst="relaxedInset"/>
+            <a:contourClr>
+              <a:srgbClr val="969696"/>
+            </a:contourClr>
+          </a:sp3d>
+          <a:extLst>
+            <a:ext uri="{909E8E84-426E-40DD-AFC4-6F175D3DCCD1}">
+              <a14:hiddenFill xmlns:a14="http://schemas.microsoft.com/office/drawing/2010/main">
+                <a:solidFill>
+                  <a:srgbClr val="FFFFFF"/>
+                </a:solidFill>
+              </a14:hiddenFill>
+            </a:ext>
+          </a:extLst>
+        </p:spPr>
+      </p:pic>
     </p:spTree>
     <p:extLst>
       <p:ext uri="{BB962C8B-B14F-4D97-AF65-F5344CB8AC3E}">
-        <p14:creationId xmlns:p14="http://schemas.microsoft.com/office/powerpoint/2010/main" val="1927834383"/>
+        <p14:creationId xmlns:p14="http://schemas.microsoft.com/office/powerpoint/2010/main" val="1488241433"/>
       </p:ext>
     </p:extLst>
   </p:cSld>
@@ -5652,7 +5784,7 @@
             <a:pPr lvl="1"/>
             <a:r>
               <a:rPr lang="en-US" dirty="0"/>
-              <a:t>Midterm Review</a:t>
+              <a:t>Objects &amp; Strings: Operators and Methods</a:t>
             </a:r>
           </a:p>
         </p:txBody>
@@ -5678,7 +5810,7 @@
         <p:cNvPr id="1" name="">
           <a:extLst>
             <a:ext uri="{FF2B5EF4-FFF2-40B4-BE49-F238E27FC236}">
-              <a16:creationId xmlns:a16="http://schemas.microsoft.com/office/drawing/2014/main" id="{FD02E2E2-EB7E-9AEE-19B6-817D95E15D0E}"/>
+              <a16:creationId xmlns:a16="http://schemas.microsoft.com/office/drawing/2014/main" id="{6252703C-E2CE-5F19-5AF5-8BE0BBA4D91E}"/>
             </a:ext>
           </a:extLst>
         </p:cNvPr>
@@ -5698,7 +5830,7 @@
           <p:cNvPr id="2" name="Title 1">
             <a:extLst>
               <a:ext uri="{FF2B5EF4-FFF2-40B4-BE49-F238E27FC236}">
-                <a16:creationId xmlns:a16="http://schemas.microsoft.com/office/drawing/2014/main" id="{AC44848B-C4F5-AD16-636E-CACA52137C00}"/>
+                <a16:creationId xmlns:a16="http://schemas.microsoft.com/office/drawing/2014/main" id="{2A3DC337-6F45-5D7F-1E52-75C3156724B8}"/>
               </a:ext>
             </a:extLst>
           </p:cNvPr>
@@ -5736,7 +5868,7 @@
           <p:cNvPr id="3" name="Subtitle 2">
             <a:extLst>
               <a:ext uri="{FF2B5EF4-FFF2-40B4-BE49-F238E27FC236}">
-                <a16:creationId xmlns:a16="http://schemas.microsoft.com/office/drawing/2014/main" id="{42F883DC-7C99-BF10-34DD-21A479AADC4E}"/>
+                <a16:creationId xmlns:a16="http://schemas.microsoft.com/office/drawing/2014/main" id="{7CE8A762-A812-1623-2B7F-CCDAF9092DFD}"/>
               </a:ext>
             </a:extLst>
           </p:cNvPr>
@@ -5832,7 +5964,7 @@
           <p:cNvPr id="4" name="TextBox 3">
             <a:extLst>
               <a:ext uri="{FF2B5EF4-FFF2-40B4-BE49-F238E27FC236}">
-                <a16:creationId xmlns:a16="http://schemas.microsoft.com/office/drawing/2014/main" id="{813918E2-0429-4CD5-E252-11EE280607BF}"/>
+                <a16:creationId xmlns:a16="http://schemas.microsoft.com/office/drawing/2014/main" id="{6A148298-BA9E-99E6-338E-D95FA109CF1E}"/>
               </a:ext>
             </a:extLst>
           </p:cNvPr>
@@ -5842,7 +5974,7 @@
         <p:spPr>
           <a:xfrm>
             <a:off x="335947" y="5102715"/>
-            <a:ext cx="6619392" cy="1323439"/>
+            <a:ext cx="6619392" cy="1569660"/>
           </a:xfrm>
           <a:prstGeom prst="rect">
             <a:avLst/>
@@ -5979,12 +6111,53 @@
               <a:t>.</a:t>
             </a:r>
           </a:p>
+          <a:p>
+            <a:pPr marL="285750" indent="-285750">
+              <a:buClr>
+                <a:srgbClr val="CC99FF"/>
+              </a:buClr>
+              <a:buFont typeface="Wingdings" panose="05000000000000000000" pitchFamily="2" charset="2"/>
+              <a:buChar char="§"/>
+            </a:pPr>
+            <a:r>
+              <a:rPr lang="en-US" sz="1600" dirty="0">
+                <a:solidFill>
+                  <a:srgbClr val="66FF99"/>
+                </a:solidFill>
+              </a:rPr>
+              <a:t>Looking for more practice</a:t>
+            </a:r>
+            <a:r>
+              <a:rPr lang="en-US" sz="1600" dirty="0">
+                <a:solidFill>
+                  <a:srgbClr val="CC99FF"/>
+                </a:solidFill>
+              </a:rPr>
+              <a:t>?</a:t>
+            </a:r>
+            <a:r>
+              <a:rPr lang="en-US" sz="1600" dirty="0">
+                <a:solidFill>
+                  <a:srgbClr val="66FF99"/>
+                </a:solidFill>
+              </a:rPr>
+              <a:t> Check out the textbook</a:t>
+            </a:r>
+            <a:r>
+              <a:rPr lang="en-US" sz="1600" dirty="0">
+                <a:solidFill>
+                  <a:srgbClr val="CC99FF"/>
+                </a:solidFill>
+              </a:rPr>
+              <a:t>.</a:t>
+            </a:r>
+          </a:p>
         </p:txBody>
       </p:sp>
     </p:spTree>
     <p:extLst>
       <p:ext uri="{BB962C8B-B14F-4D97-AF65-F5344CB8AC3E}">
-        <p14:creationId xmlns:p14="http://schemas.microsoft.com/office/powerpoint/2010/main" val="2425583567"/>
+        <p14:creationId xmlns:p14="http://schemas.microsoft.com/office/powerpoint/2010/main" val="3631796063"/>
       </p:ext>
     </p:extLst>
   </p:cSld>
@@ -9161,7 +9334,7 @@
           <p:cNvPr id="2" name="Title 1">
             <a:extLst>
               <a:ext uri="{FF2B5EF4-FFF2-40B4-BE49-F238E27FC236}">
-                <a16:creationId xmlns:a16="http://schemas.microsoft.com/office/drawing/2014/main" id="{DB17521C-0C01-4201-9CDF-89824645A0DA}"/>
+                <a16:creationId xmlns:a16="http://schemas.microsoft.com/office/drawing/2014/main" id="{128C012E-E27C-4455-914A-F84B2E984449}"/>
               </a:ext>
             </a:extLst>
           </p:cNvPr>
@@ -9180,24 +9353,9 @@
           <a:lstStyle/>
           <a:p>
             <a:r>
-              <a:rPr lang="en-US" b="1"/>
-              <a:t>Turtles and </a:t>
-            </a:r>
-            <a:r>
-              <a:rPr lang="en-US" b="1">
-                <a:solidFill>
-                  <a:srgbClr val="00FF00"/>
-                </a:solidFill>
-                <a:latin typeface="Courier New" panose="02070309020205020404" pitchFamily="49" charset="0"/>
-                <a:cs typeface="Courier New" panose="02070309020205020404" pitchFamily="49" charset="0"/>
-              </a:rPr>
-              <a:t>while</a:t>
-            </a:r>
-            <a:r>
-              <a:rPr lang="en-US" b="1"/>
-              <a:t> loops</a:t>
-            </a:r>
-            <a:endParaRPr lang="en-US" b="1" dirty="0"/>
+              <a:rPr lang="en-US" b="1" dirty="0"/>
+              <a:t>Random Module</a:t>
+            </a:r>
           </a:p>
         </p:txBody>
       </p:sp>
@@ -9206,7 +9364,7 @@
           <p:cNvPr id="3" name="Content Placeholder 2">
             <a:extLst>
               <a:ext uri="{FF2B5EF4-FFF2-40B4-BE49-F238E27FC236}">
-                <a16:creationId xmlns:a16="http://schemas.microsoft.com/office/drawing/2014/main" id="{36D38078-1B31-4266-8AD7-0006109FE6C2}"/>
+                <a16:creationId xmlns:a16="http://schemas.microsoft.com/office/drawing/2014/main" id="{86B251CA-11BF-441F-8DAF-B316636B94DD}"/>
               </a:ext>
             </a:extLst>
           </p:cNvPr>
@@ -9220,129 +9378,55 @@
         <p:spPr>
           <a:xfrm>
             <a:off x="838200" y="1825624"/>
-            <a:ext cx="5923547" cy="4835479"/>
-          </a:xfrm>
-        </p:spPr>
-        <p:txBody>
-          <a:bodyPr/>
-          <a:lstStyle/>
-          <a:p>
-            <a:r>
-              <a:rPr lang="en-US" dirty="0"/>
-              <a:t>I</a:t>
-            </a:r>
-            <a:r>
-              <a:rPr lang="en-US" dirty="0">
-                <a:solidFill>
-                  <a:schemeClr val="accent2"/>
-                </a:solidFill>
-              </a:rPr>
-              <a:t>’</a:t>
-            </a:r>
-            <a:r>
-              <a:rPr lang="en-US" dirty="0"/>
-              <a:t>m a little turtle and I want to take steps to the right until I get to the brick wall</a:t>
-            </a:r>
-            <a:r>
-              <a:rPr lang="en-US" dirty="0">
-                <a:solidFill>
-                  <a:schemeClr val="accent2"/>
+            <a:ext cx="6862011" cy="4900029"/>
+          </a:xfrm>
+        </p:spPr>
+        <p:txBody>
+          <a:bodyPr>
+            <a:normAutofit/>
+          </a:bodyPr>
+          <a:lstStyle/>
+          <a:p>
+            <a:r>
+              <a:rPr lang="en-US" sz="3200" dirty="0"/>
+              <a:t>This module implements pseudo</a:t>
+            </a:r>
+            <a:r>
+              <a:rPr lang="en-US" sz="3200" dirty="0">
+                <a:solidFill>
+                  <a:schemeClr val="accent3"/>
+                </a:solidFill>
+              </a:rPr>
+              <a:t>-</a:t>
+            </a:r>
+            <a:r>
+              <a:rPr lang="en-US" sz="3200" dirty="0"/>
+              <a:t>random number generators for various distributions</a:t>
+            </a:r>
+            <a:r>
+              <a:rPr lang="en-US" sz="3200" dirty="0">
+                <a:solidFill>
+                  <a:schemeClr val="accent6"/>
                 </a:solidFill>
               </a:rPr>
               <a:t>.</a:t>
             </a:r>
           </a:p>
           <a:p>
-            <a:r>
-              <a:rPr lang="en-US" dirty="0"/>
-              <a:t>However</a:t>
-            </a:r>
-            <a:r>
-              <a:rPr lang="en-US" dirty="0">
-                <a:solidFill>
-                  <a:schemeClr val="accent2"/>
-                </a:solidFill>
-              </a:rPr>
-              <a:t>,</a:t>
-            </a:r>
-            <a:r>
-              <a:rPr lang="en-US" dirty="0"/>
-              <a:t> I don</a:t>
-            </a:r>
-            <a:r>
-              <a:rPr lang="en-US" dirty="0">
-                <a:solidFill>
-                  <a:schemeClr val="accent6"/>
-                </a:solidFill>
-              </a:rPr>
-              <a:t>’</a:t>
-            </a:r>
-            <a:r>
-              <a:rPr lang="en-US" dirty="0"/>
-              <a:t>t know how far away the brick wall I</a:t>
-            </a:r>
-            <a:r>
-              <a:rPr lang="en-US" dirty="0">
-                <a:solidFill>
-                  <a:schemeClr val="accent2"/>
-                </a:solidFill>
-              </a:rPr>
-              <a:t>.</a:t>
-            </a:r>
-          </a:p>
-        </p:txBody>
-      </p:sp>
-      <p:pic>
-        <p:nvPicPr>
-          <p:cNvPr id="4" name="Picture 4" descr="Turtle Icon | Flat Animal Iconset | Martin Berube">
-            <a:extLst>
-              <a:ext uri="{FF2B5EF4-FFF2-40B4-BE49-F238E27FC236}">
-                <a16:creationId xmlns:a16="http://schemas.microsoft.com/office/drawing/2014/main" id="{035FDF54-D5D3-4271-B4A0-650BC058A301}"/>
-              </a:ext>
-            </a:extLst>
-          </p:cNvPr>
-          <p:cNvPicPr>
-            <a:picLocks noChangeAspect="1" noChangeArrowheads="1"/>
-          </p:cNvPicPr>
-          <p:nvPr/>
-        </p:nvPicPr>
-        <p:blipFill rotWithShape="1">
-          <a:blip r:embed="rId2">
-            <a:extLst>
-              <a:ext uri="{28A0092B-C50C-407E-A947-70E740481C1C}">
-                <a14:useLocalDpi xmlns:a14="http://schemas.microsoft.com/office/drawing/2010/main" val="0"/>
-              </a:ext>
-            </a:extLst>
-          </a:blip>
-          <a:srcRect l="5063"/>
-          <a:stretch/>
-        </p:blipFill>
-        <p:spPr bwMode="auto">
-          <a:xfrm>
-            <a:off x="168440" y="3701120"/>
-            <a:ext cx="2707320" cy="2851699"/>
-          </a:xfrm>
-          <a:prstGeom prst="rect">
-            <a:avLst/>
-          </a:prstGeom>
-          <a:noFill/>
-          <a:extLst>
-            <a:ext uri="{909E8E84-426E-40DD-AFC4-6F175D3DCCD1}">
-              <a14:hiddenFill xmlns:a14="http://schemas.microsoft.com/office/drawing/2010/main">
-                <a:solidFill>
-                  <a:srgbClr val="FFFFFF"/>
-                </a:solidFill>
-              </a14:hiddenFill>
-            </a:ext>
-          </a:extLst>
-        </p:spPr>
-      </p:pic>
-      <p:sp>
-        <p:nvSpPr>
-          <p:cNvPr id="5" name="Rectangle: Rounded Corners 4">
-            <a:extLst>
-              <a:ext uri="{FF2B5EF4-FFF2-40B4-BE49-F238E27FC236}">
-                <a16:creationId xmlns:a16="http://schemas.microsoft.com/office/drawing/2014/main" id="{3CCAC3EB-E8F0-4FE3-935D-BE18FF7E7B10}"/>
+            <a:endParaRPr lang="en-US" sz="2800" dirty="0">
+              <a:solidFill>
+                <a:schemeClr val="accent1"/>
+              </a:solidFill>
+            </a:endParaRPr>
+          </a:p>
+        </p:txBody>
+      </p:sp>
+      <p:sp>
+        <p:nvSpPr>
+          <p:cNvPr id="11" name="Rectangle: Rounded Corners 10">
+            <a:extLst>
+              <a:ext uri="{FF2B5EF4-FFF2-40B4-BE49-F238E27FC236}">
+                <a16:creationId xmlns:a16="http://schemas.microsoft.com/office/drawing/2014/main" id="{2AD12892-252D-47E8-9C1B-32729A13BC0B}"/>
               </a:ext>
             </a:extLst>
           </p:cNvPr>
@@ -9433,200 +9517,123 @@
                   <a:schemeClr val="accent6"/>
                 </a:solidFill>
               </a:rPr>
-              <a:t>Turtles and while loops</a:t>
-            </a:r>
-          </a:p>
-        </p:txBody>
-      </p:sp>
-      <p:sp>
-        <p:nvSpPr>
-          <p:cNvPr id="6" name="Arrow: Right 5">
-            <a:extLst>
-              <a:ext uri="{FF2B5EF4-FFF2-40B4-BE49-F238E27FC236}">
-                <a16:creationId xmlns:a16="http://schemas.microsoft.com/office/drawing/2014/main" id="{69AEA2D2-3CC8-4E94-9D78-9C4B1E45D6D5}"/>
-              </a:ext>
-            </a:extLst>
-          </p:cNvPr>
-          <p:cNvSpPr/>
+              <a:t>Random Module</a:t>
+            </a:r>
+          </a:p>
+        </p:txBody>
+      </p:sp>
+      <p:sp>
+        <p:nvSpPr>
+          <p:cNvPr id="5" name="TextBox 4">
+            <a:extLst>
+              <a:ext uri="{FF2B5EF4-FFF2-40B4-BE49-F238E27FC236}">
+                <a16:creationId xmlns:a16="http://schemas.microsoft.com/office/drawing/2014/main" id="{34F983D5-35D0-4FA4-A078-52AE59EA8EE6}"/>
+              </a:ext>
+            </a:extLst>
+          </p:cNvPr>
+          <p:cNvSpPr txBox="1"/>
           <p:nvPr/>
         </p:nvSpPr>
         <p:spPr>
           <a:xfrm>
-            <a:off x="2937174" y="5101390"/>
-            <a:ext cx="697832" cy="673768"/>
-          </a:xfrm>
-          <a:prstGeom prst="rightArrow">
-            <a:avLst/>
-          </a:prstGeom>
-        </p:spPr>
-        <p:style>
-          <a:lnRef idx="2">
-            <a:schemeClr val="accent1">
-              <a:shade val="50000"/>
-            </a:schemeClr>
-          </a:lnRef>
-          <a:fillRef idx="1">
-            <a:schemeClr val="accent1"/>
-          </a:fillRef>
-          <a:effectRef idx="0">
-            <a:schemeClr val="accent1"/>
-          </a:effectRef>
-          <a:fontRef idx="minor">
-            <a:schemeClr val="lt1"/>
-          </a:fontRef>
-        </p:style>
-        <p:txBody>
-          <a:bodyPr rtlCol="0" anchor="ctr"/>
-          <a:lstStyle/>
-          <a:p>
-            <a:pPr algn="ctr"/>
-            <a:endParaRPr lang="en-US"/>
-          </a:p>
-        </p:txBody>
-      </p:sp>
-      <p:sp>
-        <p:nvSpPr>
-          <p:cNvPr id="7" name="Arrow: Right 6">
-            <a:extLst>
-              <a:ext uri="{FF2B5EF4-FFF2-40B4-BE49-F238E27FC236}">
-                <a16:creationId xmlns:a16="http://schemas.microsoft.com/office/drawing/2014/main" id="{D1B05114-C52F-4BA4-A972-BD511AACB75F}"/>
-              </a:ext>
-            </a:extLst>
-          </p:cNvPr>
-          <p:cNvSpPr/>
-          <p:nvPr/>
-        </p:nvSpPr>
-        <p:spPr>
-          <a:xfrm>
-            <a:off x="3825827" y="5101390"/>
-            <a:ext cx="697832" cy="673768"/>
-          </a:xfrm>
-          <a:prstGeom prst="rightArrow">
-            <a:avLst/>
-          </a:prstGeom>
-        </p:spPr>
-        <p:style>
-          <a:lnRef idx="2">
-            <a:schemeClr val="accent1">
-              <a:shade val="50000"/>
-            </a:schemeClr>
-          </a:lnRef>
-          <a:fillRef idx="1">
-            <a:schemeClr val="accent1"/>
-          </a:fillRef>
-          <a:effectRef idx="0">
-            <a:schemeClr val="accent1"/>
-          </a:effectRef>
-          <a:fontRef idx="minor">
-            <a:schemeClr val="lt1"/>
-          </a:fontRef>
-        </p:style>
-        <p:txBody>
-          <a:bodyPr rtlCol="0" anchor="ctr"/>
-          <a:lstStyle/>
-          <a:p>
-            <a:pPr algn="ctr"/>
-            <a:endParaRPr lang="en-US"/>
-          </a:p>
-        </p:txBody>
-      </p:sp>
-      <p:sp>
-        <p:nvSpPr>
-          <p:cNvPr id="8" name="Arrow: Right 7">
-            <a:extLst>
-              <a:ext uri="{FF2B5EF4-FFF2-40B4-BE49-F238E27FC236}">
-                <a16:creationId xmlns:a16="http://schemas.microsoft.com/office/drawing/2014/main" id="{96801C39-6F4F-4AED-9846-70E982601BE7}"/>
-              </a:ext>
-            </a:extLst>
-          </p:cNvPr>
-          <p:cNvSpPr/>
-          <p:nvPr/>
-        </p:nvSpPr>
-        <p:spPr>
-          <a:xfrm>
-            <a:off x="4714480" y="5101390"/>
-            <a:ext cx="697832" cy="673768"/>
-          </a:xfrm>
-          <a:prstGeom prst="rightArrow">
-            <a:avLst/>
-          </a:prstGeom>
-        </p:spPr>
-        <p:style>
-          <a:lnRef idx="2">
-            <a:schemeClr val="accent1">
-              <a:shade val="50000"/>
-            </a:schemeClr>
-          </a:lnRef>
-          <a:fillRef idx="1">
-            <a:schemeClr val="accent1"/>
-          </a:fillRef>
-          <a:effectRef idx="0">
-            <a:schemeClr val="accent1"/>
-          </a:effectRef>
-          <a:fontRef idx="minor">
-            <a:schemeClr val="lt1"/>
-          </a:fontRef>
-        </p:style>
-        <p:txBody>
-          <a:bodyPr rtlCol="0" anchor="ctr"/>
-          <a:lstStyle/>
-          <a:p>
-            <a:pPr algn="ctr"/>
-            <a:endParaRPr lang="en-US"/>
-          </a:p>
-        </p:txBody>
-      </p:sp>
-      <p:pic>
-        <p:nvPicPr>
-          <p:cNvPr id="2050" name="Picture 2" descr="Classic Red Brick Wall transparent PNG - StickPNG">
-            <a:extLst>
-              <a:ext uri="{FF2B5EF4-FFF2-40B4-BE49-F238E27FC236}">
-                <a16:creationId xmlns:a16="http://schemas.microsoft.com/office/drawing/2014/main" id="{7AE4CA31-6F92-482A-9CF6-62C0EEAB88F5}"/>
-              </a:ext>
-            </a:extLst>
-          </p:cNvPr>
-          <p:cNvPicPr>
-            <a:picLocks noChangeAspect="1" noChangeArrowheads="1"/>
-          </p:cNvPicPr>
-          <p:nvPr/>
-        </p:nvPicPr>
-        <p:blipFill>
-          <a:blip r:embed="rId3">
-            <a:extLst>
-              <a:ext uri="{28A0092B-C50C-407E-A947-70E740481C1C}">
-                <a14:useLocalDpi xmlns:a14="http://schemas.microsoft.com/office/drawing/2010/main" val="0"/>
-              </a:ext>
-            </a:extLst>
-          </a:blip>
-          <a:srcRect/>
-          <a:stretch>
-            <a:fillRect/>
-          </a:stretch>
-        </p:blipFill>
-        <p:spPr bwMode="auto">
-          <a:xfrm>
-            <a:off x="5628642" y="4075640"/>
-            <a:ext cx="1881068" cy="2051500"/>
+            <a:off x="987055" y="3429000"/>
+            <a:ext cx="5154173" cy="3046988"/>
           </a:xfrm>
           <a:prstGeom prst="rect">
             <a:avLst/>
           </a:prstGeom>
           <a:noFill/>
-          <a:extLst>
-            <a:ext uri="{909E8E84-426E-40DD-AFC4-6F175D3DCCD1}">
-              <a14:hiddenFill xmlns:a14="http://schemas.microsoft.com/office/drawing/2010/main">
-                <a:solidFill>
-                  <a:srgbClr val="FFFFFF"/>
-                </a:solidFill>
-              </a14:hiddenFill>
-            </a:ext>
-          </a:extLst>
-        </p:spPr>
-      </p:pic>
+        </p:spPr>
+        <p:txBody>
+          <a:bodyPr wrap="square" rtlCol="0">
+            <a:spAutoFit/>
+          </a:bodyPr>
+          <a:lstStyle/>
+          <a:p>
+            <a:r>
+              <a:rPr lang="en-US" sz="3200" b="1" dirty="0">
+                <a:solidFill>
+                  <a:srgbClr val="00FF00"/>
+                </a:solidFill>
+                <a:latin typeface="Courier New" panose="02070309020205020404" pitchFamily="49" charset="0"/>
+                <a:cs typeface="Courier New" panose="02070309020205020404" pitchFamily="49" charset="0"/>
+              </a:rPr>
+              <a:t>import random</a:t>
+            </a:r>
+          </a:p>
+          <a:p>
+            <a:endParaRPr lang="en-US" sz="3200" b="1" dirty="0">
+              <a:solidFill>
+                <a:srgbClr val="00FF00"/>
+              </a:solidFill>
+              <a:latin typeface="Courier New" panose="02070309020205020404" pitchFamily="49" charset="0"/>
+              <a:cs typeface="Courier New" panose="02070309020205020404" pitchFamily="49" charset="0"/>
+            </a:endParaRPr>
+          </a:p>
+          <a:p>
+            <a:r>
+              <a:rPr lang="en-US" sz="3200" b="1" dirty="0">
+                <a:solidFill>
+                  <a:srgbClr val="00FF00"/>
+                </a:solidFill>
+                <a:latin typeface="Courier New" panose="02070309020205020404" pitchFamily="49" charset="0"/>
+                <a:cs typeface="Courier New" panose="02070309020205020404" pitchFamily="49" charset="0"/>
+              </a:rPr>
+              <a:t>random.uniform()</a:t>
+            </a:r>
+          </a:p>
+          <a:p>
+            <a:r>
+              <a:rPr lang="en-US" sz="3200" b="1" dirty="0">
+                <a:solidFill>
+                  <a:srgbClr val="00FF00"/>
+                </a:solidFill>
+                <a:latin typeface="Courier New" panose="02070309020205020404" pitchFamily="49" charset="0"/>
+                <a:cs typeface="Courier New" panose="02070309020205020404" pitchFamily="49" charset="0"/>
+              </a:rPr>
+              <a:t>random.random()</a:t>
+            </a:r>
+          </a:p>
+          <a:p>
+            <a:r>
+              <a:rPr lang="en-US" sz="3200" b="1" dirty="0">
+                <a:solidFill>
+                  <a:srgbClr val="00FF00"/>
+                </a:solidFill>
+                <a:latin typeface="Courier New" panose="02070309020205020404" pitchFamily="49" charset="0"/>
+                <a:cs typeface="Courier New" panose="02070309020205020404" pitchFamily="49" charset="0"/>
+              </a:rPr>
+              <a:t>random.randint()</a:t>
+            </a:r>
+          </a:p>
+          <a:p>
+            <a:r>
+              <a:rPr lang="en-US" sz="3200" b="1" dirty="0">
+                <a:solidFill>
+                  <a:srgbClr val="00FF00"/>
+                </a:solidFill>
+                <a:latin typeface="Courier New" panose="02070309020205020404" pitchFamily="49" charset="0"/>
+                <a:cs typeface="Courier New" panose="02070309020205020404" pitchFamily="49" charset="0"/>
+              </a:rPr>
+              <a:t>…</a:t>
+            </a:r>
+            <a:endParaRPr lang="en-US" sz="3200" b="1" dirty="0">
+              <a:solidFill>
+                <a:schemeClr val="accent6">
+                  <a:lumMod val="40000"/>
+                  <a:lumOff val="60000"/>
+                </a:schemeClr>
+              </a:solidFill>
+              <a:latin typeface="Courier New" panose="02070309020205020404" pitchFamily="49" charset="0"/>
+              <a:cs typeface="Courier New" panose="02070309020205020404" pitchFamily="49" charset="0"/>
+            </a:endParaRPr>
+          </a:p>
+        </p:txBody>
+      </p:sp>
     </p:spTree>
     <p:extLst>
       <p:ext uri="{BB962C8B-B14F-4D97-AF65-F5344CB8AC3E}">
-        <p14:creationId xmlns:p14="http://schemas.microsoft.com/office/powerpoint/2010/main" val="3089074772"/>
+        <p14:creationId xmlns:p14="http://schemas.microsoft.com/office/powerpoint/2010/main" val="1927834383"/>
       </p:ext>
     </p:extLst>
   </p:cSld>
@@ -9641,7 +9648,13 @@
   <p:cSld>
     <p:spTree>
       <p:nvGrpSpPr>
-        <p:cNvPr id="1" name=""/>
+        <p:cNvPr id="1" name="">
+          <a:extLst>
+            <a:ext uri="{FF2B5EF4-FFF2-40B4-BE49-F238E27FC236}">
+              <a16:creationId xmlns:a16="http://schemas.microsoft.com/office/drawing/2014/main" id="{E292EEF2-7F5F-A4DD-B31F-831F27BE6E9E}"/>
+            </a:ext>
+          </a:extLst>
+        </p:cNvPr>
         <p:cNvGrpSpPr/>
         <p:nvPr/>
       </p:nvGrpSpPr>
@@ -9658,7 +9671,7 @@
           <p:cNvPr id="2" name="Title 1">
             <a:extLst>
               <a:ext uri="{FF2B5EF4-FFF2-40B4-BE49-F238E27FC236}">
-                <a16:creationId xmlns:a16="http://schemas.microsoft.com/office/drawing/2014/main" id="{128C012E-E27C-4455-914A-F84B2E984449}"/>
+                <a16:creationId xmlns:a16="http://schemas.microsoft.com/office/drawing/2014/main" id="{7B00F26B-83F7-DF21-27CB-0D5A00C1281B}"/>
               </a:ext>
             </a:extLst>
           </p:cNvPr>
@@ -9696,7 +9709,7 @@
           <p:cNvPr id="3" name="Content Placeholder 2">
             <a:extLst>
               <a:ext uri="{FF2B5EF4-FFF2-40B4-BE49-F238E27FC236}">
-                <a16:creationId xmlns:a16="http://schemas.microsoft.com/office/drawing/2014/main" id="{86B251CA-11BF-441F-8DAF-B316636B94DD}"/>
+                <a16:creationId xmlns:a16="http://schemas.microsoft.com/office/drawing/2014/main" id="{09C1B931-37BC-A6FE-ABF5-404AC665CC05}"/>
               </a:ext>
             </a:extLst>
           </p:cNvPr>
@@ -9721,7 +9734,7 @@
           <a:p>
             <a:r>
               <a:rPr lang="en-US" sz="3200" dirty="0"/>
-              <a:t>Write some code to allow someone to play Rock</a:t>
+              <a:t>Write a function that roles a 6-sided dice until a lucky number is rolled</a:t>
             </a:r>
             <a:r>
               <a:rPr lang="en-US" sz="3200" dirty="0">
@@ -9729,80 +9742,13 @@
                   <a:schemeClr val="accent2"/>
                 </a:solidFill>
               </a:rPr>
-              <a:t>,</a:t>
-            </a:r>
-            <a:r>
-              <a:rPr lang="en-US" sz="3200" dirty="0"/>
-              <a:t> Paper</a:t>
-            </a:r>
-            <a:r>
-              <a:rPr lang="en-US" sz="3200" dirty="0">
-                <a:solidFill>
-                  <a:schemeClr val="accent2"/>
-                </a:solidFill>
-              </a:rPr>
-              <a:t>,</a:t>
-            </a:r>
-            <a:r>
-              <a:rPr lang="en-US" sz="3200" dirty="0"/>
-              <a:t> Scissors</a:t>
-            </a:r>
-            <a:r>
-              <a:rPr lang="en-US" sz="3200" dirty="0">
-                <a:solidFill>
-                  <a:schemeClr val="accent2"/>
-                </a:solidFill>
-              </a:rPr>
-              <a:t>,</a:t>
-            </a:r>
-            <a:r>
-              <a:rPr lang="en-US" sz="3200" dirty="0"/>
-              <a:t> Lizard</a:t>
-            </a:r>
-            <a:r>
-              <a:rPr lang="en-US" sz="3200" dirty="0">
-                <a:solidFill>
-                  <a:schemeClr val="accent2"/>
-                </a:solidFill>
-              </a:rPr>
-              <a:t>,</a:t>
-            </a:r>
-            <a:r>
-              <a:rPr lang="en-US" sz="3200" dirty="0"/>
-              <a:t> Spock repeatedly until they beat the computer </a:t>
-            </a:r>
-            <a:r>
-              <a:rPr lang="en-US" sz="3200" dirty="0">
-                <a:solidFill>
-                  <a:schemeClr val="accent2"/>
-                </a:solidFill>
-              </a:rPr>
-              <a:t>`</a:t>
-            </a:r>
-            <a:r>
-              <a:rPr lang="en-US" sz="3200" dirty="0"/>
-              <a:t>3</a:t>
-            </a:r>
-            <a:r>
-              <a:rPr lang="en-US" sz="3200" dirty="0">
-                <a:solidFill>
-                  <a:schemeClr val="accent2"/>
-                </a:solidFill>
-              </a:rPr>
-              <a:t>`</a:t>
-            </a:r>
-            <a:r>
-              <a:rPr lang="en-US" sz="3200" dirty="0"/>
-              <a:t> times</a:t>
-            </a:r>
-            <a:r>
-              <a:rPr lang="en-US" sz="3200" dirty="0">
-                <a:solidFill>
-                  <a:schemeClr val="accent2"/>
-                </a:solidFill>
-              </a:rPr>
               <a:t>.</a:t>
             </a:r>
+            <a:endParaRPr lang="en-US" sz="2800" dirty="0">
+              <a:solidFill>
+                <a:schemeClr val="accent2"/>
+              </a:solidFill>
+            </a:endParaRPr>
           </a:p>
         </p:txBody>
       </p:sp>
@@ -9811,7 +9757,7 @@
           <p:cNvPr id="11" name="Rectangle: Rounded Corners 10">
             <a:extLst>
               <a:ext uri="{FF2B5EF4-FFF2-40B4-BE49-F238E27FC236}">
-                <a16:creationId xmlns:a16="http://schemas.microsoft.com/office/drawing/2014/main" id="{2AD12892-252D-47E8-9C1B-32729A13BC0B}"/>
+                <a16:creationId xmlns:a16="http://schemas.microsoft.com/office/drawing/2014/main" id="{3B0EC03C-EFB7-9326-110B-3CB39040DD33}"/>
               </a:ext>
             </a:extLst>
           </p:cNvPr>
@@ -9889,30 +9835,22 @@
           </a:p>
           <a:p>
             <a:r>
-              <a:rPr lang="en-US" sz="2800" b="1" dirty="0">
+              <a:rPr lang="en-US" sz="2600" b="1" dirty="0">
                 <a:solidFill>
                   <a:schemeClr val="accent6"/>
                 </a:solidFill>
               </a:rPr>
-              <a:t>4. </a:t>
-            </a:r>
-            <a:r>
-              <a:rPr lang="en-US" sz="2600" b="1" dirty="0">
-                <a:solidFill>
-                  <a:schemeClr val="accent6"/>
-                </a:solidFill>
-              </a:rPr>
-              <a:t>Breakout Session 1</a:t>
+              <a:t>4. Breakout Session 2</a:t>
             </a:r>
           </a:p>
         </p:txBody>
       </p:sp>
       <p:pic>
         <p:nvPicPr>
-          <p:cNvPr id="1026" name="Picture 2" descr="Spock (Character) - Comic Vine">
-            <a:extLst>
-              <a:ext uri="{FF2B5EF4-FFF2-40B4-BE49-F238E27FC236}">
-                <a16:creationId xmlns:a16="http://schemas.microsoft.com/office/drawing/2014/main" id="{906D33B3-7CFB-2914-A234-0F3FDAC17A45}"/>
+          <p:cNvPr id="2050" name="Picture 2" descr="Dice PNG, Dice Transparent Background - FreeIconsPNG">
+            <a:extLst>
+              <a:ext uri="{FF2B5EF4-FFF2-40B4-BE49-F238E27FC236}">
+                <a16:creationId xmlns:a16="http://schemas.microsoft.com/office/drawing/2014/main" id="{5636AF83-8B6B-218D-AC73-48B2E07AE9DB}"/>
               </a:ext>
             </a:extLst>
           </p:cNvPr>
@@ -9935,105 +9873,14 @@
           </a:stretch>
         </p:blipFill>
         <p:spPr bwMode="auto">
-          <a:xfrm flipH="1">
-            <a:off x="1181191" y="4317165"/>
-            <a:ext cx="1757501" cy="2222926"/>
-          </a:xfrm>
-          <a:prstGeom prst="roundRect">
-            <a:avLst>
-              <a:gd name="adj" fmla="val 16667"/>
-            </a:avLst>
+          <a:xfrm>
+            <a:off x="2141414" y="3830484"/>
+            <a:ext cx="4149969" cy="2412169"/>
+          </a:xfrm>
+          <a:prstGeom prst="rect">
+            <a:avLst/>
           </a:prstGeom>
-          <a:ln>
-            <a:noFill/>
-          </a:ln>
-          <a:effectLst>
-            <a:outerShdw blurRad="76200" dist="38100" dir="7800000" algn="tl" rotWithShape="0">
-              <a:srgbClr val="000000">
-                <a:alpha val="40000"/>
-              </a:srgbClr>
-            </a:outerShdw>
-          </a:effectLst>
-          <a:scene3d>
-            <a:camera prst="orthographicFront"/>
-            <a:lightRig rig="contrasting" dir="t">
-              <a:rot lat="0" lon="0" rev="4200000"/>
-            </a:lightRig>
-          </a:scene3d>
-          <a:sp3d prstMaterial="plastic">
-            <a:bevelT w="381000" h="114300" prst="relaxedInset"/>
-            <a:contourClr>
-              <a:srgbClr val="969696"/>
-            </a:contourClr>
-          </a:sp3d>
-          <a:extLst>
-            <a:ext uri="{909E8E84-426E-40DD-AFC4-6F175D3DCCD1}">
-              <a14:hiddenFill xmlns:a14="http://schemas.microsoft.com/office/drawing/2010/main">
-                <a:solidFill>
-                  <a:srgbClr val="FFFFFF"/>
-                </a:solidFill>
-              </a14:hiddenFill>
-            </a:ext>
-          </a:extLst>
-        </p:spPr>
-      </p:pic>
-      <p:pic>
-        <p:nvPicPr>
-          <p:cNvPr id="1028" name="Picture 4" descr="Komodo dragons">
-            <a:extLst>
-              <a:ext uri="{FF2B5EF4-FFF2-40B4-BE49-F238E27FC236}">
-                <a16:creationId xmlns:a16="http://schemas.microsoft.com/office/drawing/2014/main" id="{833F8489-F331-406C-3953-9BC6B9723BCB}"/>
-              </a:ext>
-            </a:extLst>
-          </p:cNvPr>
-          <p:cNvPicPr>
-            <a:picLocks noChangeAspect="1" noChangeArrowheads="1"/>
-          </p:cNvPicPr>
-          <p:nvPr/>
-        </p:nvPicPr>
-        <p:blipFill rotWithShape="1">
-          <a:blip r:embed="rId3">
-            <a:extLst>
-              <a:ext uri="{28A0092B-C50C-407E-A947-70E740481C1C}">
-                <a14:useLocalDpi xmlns:a14="http://schemas.microsoft.com/office/drawing/2010/main" val="0"/>
-              </a:ext>
-            </a:extLst>
-          </a:blip>
-          <a:srcRect l="16019" r="25321"/>
-          <a:stretch/>
-        </p:blipFill>
-        <p:spPr bwMode="auto">
-          <a:xfrm>
-            <a:off x="3335982" y="4317165"/>
-            <a:ext cx="2175641" cy="2225312"/>
-          </a:xfrm>
-          <a:prstGeom prst="roundRect">
-            <a:avLst>
-              <a:gd name="adj" fmla="val 16667"/>
-            </a:avLst>
-          </a:prstGeom>
-          <a:ln>
-            <a:noFill/>
-          </a:ln>
-          <a:effectLst>
-            <a:outerShdw blurRad="76200" dist="38100" dir="7800000" algn="tl" rotWithShape="0">
-              <a:srgbClr val="000000">
-                <a:alpha val="40000"/>
-              </a:srgbClr>
-            </a:outerShdw>
-          </a:effectLst>
-          <a:scene3d>
-            <a:camera prst="orthographicFront"/>
-            <a:lightRig rig="contrasting" dir="t">
-              <a:rot lat="0" lon="0" rev="4200000"/>
-            </a:lightRig>
-          </a:scene3d>
-          <a:sp3d prstMaterial="plastic">
-            <a:bevelT w="381000" h="114300" prst="relaxedInset"/>
-            <a:contourClr>
-              <a:srgbClr val="969696"/>
-            </a:contourClr>
-          </a:sp3d>
+          <a:noFill/>
           <a:extLst>
             <a:ext uri="{909E8E84-426E-40DD-AFC4-6F175D3DCCD1}">
               <a14:hiddenFill xmlns:a14="http://schemas.microsoft.com/office/drawing/2010/main">
@@ -10048,7 +9895,7 @@
     </p:spTree>
     <p:extLst>
       <p:ext uri="{BB962C8B-B14F-4D97-AF65-F5344CB8AC3E}">
-        <p14:creationId xmlns:p14="http://schemas.microsoft.com/office/powerpoint/2010/main" val="1488241433"/>
+        <p14:creationId xmlns:p14="http://schemas.microsoft.com/office/powerpoint/2010/main" val="791310692"/>
       </p:ext>
     </p:extLst>
   </p:cSld>
